--- a/SGOS_Environment_Check_Procedure.pptx
+++ b/SGOS_Environment_Check_Procedure.pptx
@@ -316,7 +316,7 @@
               <a:pPr>
                 <a:defRPr/>
               </a:pPr>
-              <a:t>2017/3/17</a:t>
+              <a:t>2017/5/23</a:t>
             </a:fld>
             <a:endParaRPr lang="en-US" altLang="zh-TW"/>
           </a:p>
@@ -1091,6 +1091,555 @@
     <p:extLst>
       <p:ext uri="{BB962C8B-B14F-4D97-AF65-F5344CB8AC3E}">
         <p14:creationId xmlns:p14="http://schemas.microsoft.com/office/powerpoint/2010/main" val="3862572170"/>
+      </p:ext>
+    </p:extLst>
+  </p:cSld>
+  <p:clrMapOvr>
+    <a:masterClrMapping/>
+  </p:clrMapOvr>
+</p:notes>
+</file>
+
+<file path=ppt/notesSlides/notesSlide2.xml><?xml version="1.0" encoding="utf-8"?>
+<p:notes xmlns:a="http://schemas.openxmlformats.org/drawingml/2006/main" xmlns:r="http://schemas.openxmlformats.org/officeDocument/2006/relationships" xmlns:p="http://schemas.openxmlformats.org/presentationml/2006/main">
+  <p:cSld>
+    <p:spTree>
+      <p:nvGrpSpPr>
+        <p:cNvPr id="1" name=""/>
+        <p:cNvGrpSpPr/>
+        <p:nvPr/>
+      </p:nvGrpSpPr>
+      <p:grpSpPr>
+        <a:xfrm>
+          <a:off x="0" y="0"/>
+          <a:ext cx="0" cy="0"/>
+          <a:chOff x="0" y="0"/>
+          <a:chExt cx="0" cy="0"/>
+        </a:xfrm>
+      </p:grpSpPr>
+      <p:sp>
+        <p:nvSpPr>
+          <p:cNvPr id="2" name="投影片圖像版面配置區 1"/>
+          <p:cNvSpPr>
+            <a:spLocks noGrp="1" noRot="1" noChangeAspect="1"/>
+          </p:cNvSpPr>
+          <p:nvPr>
+            <p:ph type="sldImg"/>
+          </p:nvPr>
+        </p:nvSpPr>
+        <p:spPr/>
+      </p:sp>
+      <p:sp>
+        <p:nvSpPr>
+          <p:cNvPr id="3" name="備忘稿版面配置區 2"/>
+          <p:cNvSpPr>
+            <a:spLocks noGrp="1"/>
+          </p:cNvSpPr>
+          <p:nvPr>
+            <p:ph type="body" idx="1"/>
+          </p:nvPr>
+        </p:nvSpPr>
+        <p:spPr/>
+        <p:txBody>
+          <a:bodyPr/>
+          <a:lstStyle/>
+          <a:p>
+            <a:r>
+              <a:rPr lang="en-US" altLang="zh-TW" dirty="0" smtClean="0"/>
+              <a:t>DAQ7432, DAQ7230,DAQ6509</a:t>
+            </a:r>
+            <a:r>
+              <a:rPr lang="en-US" altLang="zh-TW" baseline="0" dirty="0" smtClean="0"/>
+              <a:t> : </a:t>
+            </a:r>
+            <a:r>
+              <a:rPr lang="zh-TW" altLang="en-US" baseline="0" dirty="0" smtClean="0"/>
+              <a:t>利用</a:t>
+            </a:r>
+            <a:r>
+              <a:rPr lang="en-US" altLang="zh-TW" baseline="0" dirty="0" smtClean="0"/>
+              <a:t>TTL</a:t>
+            </a:r>
+            <a:r>
+              <a:rPr lang="zh-TW" altLang="en-US" baseline="0" dirty="0" smtClean="0"/>
+              <a:t>與</a:t>
+            </a:r>
+            <a:r>
+              <a:rPr lang="en-US" altLang="zh-TW" baseline="0" dirty="0" smtClean="0"/>
+              <a:t>Handler</a:t>
+            </a:r>
+            <a:r>
+              <a:rPr lang="zh-TW" altLang="en-US" baseline="0" dirty="0" smtClean="0"/>
+              <a:t>通訊</a:t>
+            </a:r>
+            <a:r>
+              <a:rPr lang="en-US" altLang="zh-TW" baseline="0" dirty="0" smtClean="0"/>
+              <a:t>, </a:t>
+            </a:r>
+            <a:r>
+              <a:rPr lang="zh-TW" altLang="en-US" baseline="0" dirty="0" smtClean="0"/>
+              <a:t>通常用於</a:t>
+            </a:r>
+            <a:r>
+              <a:rPr lang="en-US" altLang="zh-TW" baseline="0" dirty="0" err="1" smtClean="0"/>
+              <a:t>Bowlfeeder</a:t>
+            </a:r>
+            <a:r>
+              <a:rPr lang="zh-TW" altLang="en-US" baseline="0" dirty="0" smtClean="0"/>
+              <a:t>類</a:t>
+            </a:r>
+            <a:r>
+              <a:rPr lang="en-US" altLang="zh-TW" baseline="0" dirty="0" smtClean="0"/>
+              <a:t>Handler</a:t>
+            </a:r>
+            <a:r>
+              <a:rPr lang="zh-TW" altLang="en-US" baseline="0" dirty="0" smtClean="0"/>
+              <a:t>如</a:t>
+            </a:r>
+            <a:r>
+              <a:rPr lang="en-US" altLang="zh-TW" baseline="0" dirty="0" err="1" smtClean="0"/>
+              <a:t>Ismeca</a:t>
+            </a:r>
+            <a:r>
+              <a:rPr lang="en-US" altLang="zh-TW" baseline="0" dirty="0" smtClean="0"/>
+              <a:t>, Tripod</a:t>
+            </a:r>
+            <a:r>
+              <a:rPr lang="zh-TW" altLang="en-US" baseline="0" dirty="0" smtClean="0"/>
+              <a:t>等做</a:t>
+            </a:r>
+            <a:r>
+              <a:rPr lang="en-US" altLang="zh-TW" baseline="0" dirty="0" smtClean="0"/>
+              <a:t>FT</a:t>
+            </a:r>
+            <a:r>
+              <a:rPr lang="zh-TW" altLang="en-US" baseline="0" dirty="0" smtClean="0"/>
+              <a:t>測試</a:t>
+            </a:r>
+            <a:endParaRPr lang="en-US" altLang="zh-TW" baseline="0" dirty="0" smtClean="0"/>
+          </a:p>
+          <a:p>
+            <a:r>
+              <a:rPr lang="en-US" altLang="zh-TW" baseline="0" dirty="0" smtClean="0"/>
+              <a:t>GPIBEPSON: </a:t>
+            </a:r>
+            <a:r>
+              <a:rPr lang="zh-TW" altLang="en-US" baseline="0" dirty="0" smtClean="0"/>
+              <a:t>藉由</a:t>
+            </a:r>
+            <a:r>
+              <a:rPr lang="en-US" altLang="zh-TW" baseline="0" dirty="0" smtClean="0"/>
+              <a:t>GPIB</a:t>
+            </a:r>
+            <a:r>
+              <a:rPr lang="zh-TW" altLang="en-US" baseline="0" dirty="0" smtClean="0"/>
+              <a:t>與</a:t>
+            </a:r>
+            <a:r>
+              <a:rPr lang="en-US" altLang="zh-TW" baseline="0" dirty="0" smtClean="0"/>
+              <a:t>Handler</a:t>
+            </a:r>
+            <a:r>
+              <a:rPr lang="zh-TW" altLang="en-US" baseline="0" dirty="0" smtClean="0"/>
+              <a:t>做溝通</a:t>
+            </a:r>
+            <a:r>
+              <a:rPr lang="en-US" altLang="zh-TW" baseline="0" dirty="0" smtClean="0"/>
+              <a:t>, </a:t>
+            </a:r>
+            <a:r>
+              <a:rPr lang="zh-TW" altLang="en-US" baseline="0" dirty="0" smtClean="0"/>
+              <a:t>通常用於</a:t>
+            </a:r>
+            <a:r>
+              <a:rPr lang="en-US" altLang="zh-TW" baseline="0" dirty="0" err="1" smtClean="0"/>
+              <a:t>pick&amp;place</a:t>
+            </a:r>
+            <a:r>
+              <a:rPr lang="zh-TW" altLang="en-US" baseline="0" dirty="0" smtClean="0"/>
+              <a:t>類</a:t>
+            </a:r>
+            <a:r>
+              <a:rPr lang="en-US" altLang="zh-TW" baseline="0" dirty="0" smtClean="0"/>
+              <a:t>Handler</a:t>
+            </a:r>
+            <a:r>
+              <a:rPr lang="zh-TW" altLang="en-US" baseline="0" dirty="0" smtClean="0"/>
+              <a:t>如</a:t>
+            </a:r>
+            <a:r>
+              <a:rPr lang="en-US" altLang="zh-TW" baseline="0" dirty="0" smtClean="0"/>
+              <a:t>EPSON 8000N</a:t>
+            </a:r>
+            <a:r>
+              <a:rPr lang="zh-TW" altLang="en-US" baseline="0" dirty="0" smtClean="0"/>
+              <a:t>等做</a:t>
+            </a:r>
+            <a:r>
+              <a:rPr lang="en-US" altLang="zh-TW" baseline="0" dirty="0" smtClean="0"/>
+              <a:t>FT</a:t>
+            </a:r>
+            <a:r>
+              <a:rPr lang="zh-TW" altLang="en-US" baseline="0" dirty="0" smtClean="0"/>
+              <a:t>測試</a:t>
+            </a:r>
+            <a:endParaRPr lang="en-US" altLang="zh-TW" baseline="0" dirty="0" smtClean="0"/>
+          </a:p>
+          <a:p>
+            <a:r>
+              <a:rPr lang="en-US" altLang="zh-TW" baseline="0" dirty="0" smtClean="0"/>
+              <a:t>GPIBUF200: </a:t>
+            </a:r>
+            <a:r>
+              <a:rPr lang="zh-TW" altLang="en-US" baseline="0" dirty="0" smtClean="0"/>
+              <a:t>藉由</a:t>
+            </a:r>
+            <a:r>
+              <a:rPr lang="en-US" altLang="zh-TW" baseline="0" dirty="0" smtClean="0"/>
+              <a:t>GPIB</a:t>
+            </a:r>
+            <a:r>
+              <a:rPr lang="zh-TW" altLang="en-US" baseline="0" dirty="0" smtClean="0"/>
+              <a:t>與</a:t>
+            </a:r>
+            <a:r>
+              <a:rPr lang="en-US" altLang="zh-TW" baseline="0" dirty="0" smtClean="0"/>
+              <a:t>Prober</a:t>
+            </a:r>
+            <a:r>
+              <a:rPr lang="zh-TW" altLang="en-US" baseline="0" dirty="0" smtClean="0"/>
+              <a:t>做溝通</a:t>
+            </a:r>
+            <a:r>
+              <a:rPr lang="en-US" altLang="zh-TW" baseline="0" dirty="0" smtClean="0"/>
+              <a:t>, </a:t>
+            </a:r>
+            <a:r>
+              <a:rPr lang="zh-TW" altLang="en-US" baseline="0" dirty="0" smtClean="0"/>
+              <a:t>用於</a:t>
+            </a:r>
+            <a:r>
+              <a:rPr lang="en-US" altLang="zh-TW" baseline="0" dirty="0" smtClean="0"/>
+              <a:t>CP</a:t>
+            </a:r>
+            <a:r>
+              <a:rPr lang="zh-TW" altLang="en-US" baseline="0" dirty="0" smtClean="0"/>
+              <a:t>測試</a:t>
+            </a:r>
+            <a:r>
+              <a:rPr lang="en-US" altLang="zh-TW" baseline="0" dirty="0" smtClean="0"/>
+              <a:t>, </a:t>
+            </a:r>
+            <a:r>
+              <a:rPr lang="zh-TW" altLang="en-US" baseline="0" dirty="0" smtClean="0"/>
+              <a:t>只能跟</a:t>
+            </a:r>
+            <a:r>
+              <a:rPr lang="en-US" altLang="zh-TW" baseline="0" dirty="0" smtClean="0"/>
+              <a:t>UF200</a:t>
+            </a:r>
+            <a:r>
+              <a:rPr lang="zh-TW" altLang="en-US" baseline="0" dirty="0" smtClean="0"/>
+              <a:t>型號</a:t>
+            </a:r>
+            <a:r>
+              <a:rPr lang="en-US" altLang="zh-TW" baseline="0" dirty="0" smtClean="0"/>
+              <a:t>Prober</a:t>
+            </a:r>
+            <a:r>
+              <a:rPr lang="zh-TW" altLang="en-US" baseline="0" smtClean="0"/>
+              <a:t>溝通</a:t>
+            </a:r>
+            <a:endParaRPr lang="zh-TW" altLang="en-US" dirty="0"/>
+          </a:p>
+        </p:txBody>
+      </p:sp>
+      <p:sp>
+        <p:nvSpPr>
+          <p:cNvPr id="4" name="投影片編號版面配置區 3"/>
+          <p:cNvSpPr>
+            <a:spLocks noGrp="1"/>
+          </p:cNvSpPr>
+          <p:nvPr>
+            <p:ph type="sldNum" idx="10"/>
+          </p:nvPr>
+        </p:nvSpPr>
+        <p:spPr/>
+        <p:txBody>
+          <a:bodyPr/>
+          <a:lstStyle/>
+          <a:p>
+            <a:pPr>
+              <a:defRPr/>
+            </a:pPr>
+            <a:fld id="{B329BE06-5B6F-4163-A730-C53C366EA367}" type="slidenum">
+              <a:rPr lang="en-US" altLang="zh-TW" smtClean="0"/>
+              <a:pPr>
+                <a:defRPr/>
+              </a:pPr>
+              <a:t>7</a:t>
+            </a:fld>
+            <a:endParaRPr lang="en-US" altLang="zh-TW"/>
+          </a:p>
+        </p:txBody>
+      </p:sp>
+    </p:spTree>
+    <p:extLst>
+      <p:ext uri="{BB962C8B-B14F-4D97-AF65-F5344CB8AC3E}">
+        <p14:creationId xmlns:p14="http://schemas.microsoft.com/office/powerpoint/2010/main" val="633143194"/>
+      </p:ext>
+    </p:extLst>
+  </p:cSld>
+  <p:clrMapOvr>
+    <a:masterClrMapping/>
+  </p:clrMapOvr>
+</p:notes>
+</file>
+
+<file path=ppt/notesSlides/notesSlide3.xml><?xml version="1.0" encoding="utf-8"?>
+<p:notes xmlns:a="http://schemas.openxmlformats.org/drawingml/2006/main" xmlns:r="http://schemas.openxmlformats.org/officeDocument/2006/relationships" xmlns:p="http://schemas.openxmlformats.org/presentationml/2006/main">
+  <p:cSld>
+    <p:spTree>
+      <p:nvGrpSpPr>
+        <p:cNvPr id="1" name=""/>
+        <p:cNvGrpSpPr/>
+        <p:nvPr/>
+      </p:nvGrpSpPr>
+      <p:grpSpPr>
+        <a:xfrm>
+          <a:off x="0" y="0"/>
+          <a:ext cx="0" cy="0"/>
+          <a:chOff x="0" y="0"/>
+          <a:chExt cx="0" cy="0"/>
+        </a:xfrm>
+      </p:grpSpPr>
+      <p:sp>
+        <p:nvSpPr>
+          <p:cNvPr id="2" name="投影片圖像版面配置區 1"/>
+          <p:cNvSpPr>
+            <a:spLocks noGrp="1" noRot="1" noChangeAspect="1"/>
+          </p:cNvSpPr>
+          <p:nvPr>
+            <p:ph type="sldImg"/>
+          </p:nvPr>
+        </p:nvSpPr>
+        <p:spPr/>
+      </p:sp>
+      <p:sp>
+        <p:nvSpPr>
+          <p:cNvPr id="3" name="備忘稿版面配置區 2"/>
+          <p:cNvSpPr>
+            <a:spLocks noGrp="1"/>
+          </p:cNvSpPr>
+          <p:nvPr>
+            <p:ph type="body" idx="1"/>
+          </p:nvPr>
+        </p:nvSpPr>
+        <p:spPr/>
+        <p:txBody>
+          <a:bodyPr/>
+          <a:lstStyle/>
+          <a:p>
+            <a:pPr marL="228600" indent="-228600">
+              <a:buAutoNum type="arabicPeriod"/>
+            </a:pPr>
+            <a:r>
+              <a:rPr lang="en-US" altLang="zh-TW" dirty="0" smtClean="0"/>
+              <a:t>SGSetting.ini</a:t>
+            </a:r>
+            <a:r>
+              <a:rPr lang="zh-TW" altLang="en-US" dirty="0" smtClean="0"/>
+              <a:t>可用來讓</a:t>
+            </a:r>
+            <a:r>
+              <a:rPr lang="en-US" altLang="zh-TW" dirty="0" err="1" smtClean="0"/>
+              <a:t>AutoLotID</a:t>
+            </a:r>
+            <a:r>
+              <a:rPr lang="zh-TW" altLang="en-US" dirty="0" smtClean="0"/>
+              <a:t>或</a:t>
+            </a:r>
+            <a:r>
+              <a:rPr lang="en-US" altLang="zh-TW" dirty="0" err="1" smtClean="0"/>
+              <a:t>LotIDKey</a:t>
+            </a:r>
+            <a:r>
+              <a:rPr lang="zh-TW" altLang="en-US" dirty="0" smtClean="0"/>
+              <a:t>去知道要關聯那個客戶的</a:t>
+            </a:r>
+            <a:r>
+              <a:rPr lang="en-US" altLang="zh-TW" dirty="0" smtClean="0"/>
+              <a:t>naming rule.</a:t>
+            </a:r>
+          </a:p>
+          <a:p>
+            <a:pPr marL="228600" indent="-228600">
+              <a:buAutoNum type="arabicPeriod"/>
+            </a:pPr>
+            <a:r>
+              <a:rPr lang="zh-TW" altLang="en-US" dirty="0" smtClean="0"/>
+              <a:t>在</a:t>
+            </a:r>
+            <a:r>
+              <a:rPr lang="en-US" altLang="zh-TW" dirty="0" smtClean="0"/>
+              <a:t>Setup module</a:t>
+            </a:r>
+            <a:r>
+              <a:rPr lang="zh-TW" altLang="en-US" dirty="0" smtClean="0"/>
+              <a:t>中</a:t>
+            </a:r>
+            <a:r>
+              <a:rPr lang="en-US" altLang="zh-TW" dirty="0" smtClean="0"/>
+              <a:t>, </a:t>
+            </a:r>
+            <a:r>
+              <a:rPr lang="zh-TW" altLang="en-US" dirty="0" smtClean="0"/>
+              <a:t>會依靠此一檔案中的順序來判定</a:t>
+            </a:r>
+            <a:r>
+              <a:rPr lang="en-US" altLang="zh-TW" dirty="0" err="1" smtClean="0"/>
+              <a:t>MyModuleVar.Config.ProductType</a:t>
+            </a:r>
+            <a:r>
+              <a:rPr lang="zh-TW" altLang="en-US" dirty="0" smtClean="0"/>
+              <a:t>的數值</a:t>
+            </a:r>
+            <a:endParaRPr lang="en-US" altLang="zh-TW" dirty="0" smtClean="0"/>
+          </a:p>
+          <a:p>
+            <a:pPr marL="228600" indent="-228600">
+              <a:buAutoNum type="arabicPeriod"/>
+            </a:pPr>
+            <a:r>
+              <a:rPr lang="zh-TW" altLang="en-US" dirty="0" smtClean="0"/>
+              <a:t>依照</a:t>
+            </a:r>
+            <a:r>
+              <a:rPr lang="en-US" altLang="zh-TW" dirty="0" err="1" smtClean="0"/>
+              <a:t>ProductType</a:t>
+            </a:r>
+            <a:r>
+              <a:rPr lang="zh-TW" altLang="en-US" dirty="0" smtClean="0"/>
+              <a:t>則可讓</a:t>
+            </a:r>
+            <a:r>
+              <a:rPr lang="en-US" altLang="zh-TW" dirty="0" err="1" smtClean="0"/>
+              <a:t>AutoLotID</a:t>
+            </a:r>
+            <a:r>
+              <a:rPr lang="zh-TW" altLang="en-US" dirty="0" smtClean="0"/>
+              <a:t>或</a:t>
+            </a:r>
+            <a:r>
+              <a:rPr lang="en-US" altLang="zh-TW" dirty="0" err="1" smtClean="0"/>
+              <a:t>LotIDKey</a:t>
+            </a:r>
+            <a:r>
+              <a:rPr lang="zh-TW" altLang="en-US" dirty="0" smtClean="0"/>
+              <a:t>取得要執行哪個函式</a:t>
+            </a:r>
+            <a:endParaRPr lang="en-US" altLang="zh-TW" dirty="0" smtClean="0"/>
+          </a:p>
+          <a:p>
+            <a:pPr marL="228600" indent="-228600">
+              <a:buAutoNum type="arabicPeriod"/>
+            </a:pPr>
+            <a:r>
+              <a:rPr lang="zh-TW" altLang="en-US" dirty="0" smtClean="0"/>
+              <a:t>新增客戶則在</a:t>
+            </a:r>
+            <a:r>
+              <a:rPr lang="en-US" altLang="zh-TW" dirty="0" smtClean="0"/>
+              <a:t>Customer</a:t>
+            </a:r>
+            <a:r>
+              <a:rPr lang="zh-TW" altLang="en-US" dirty="0" smtClean="0"/>
+              <a:t>及</a:t>
+            </a:r>
+            <a:r>
+              <a:rPr lang="en-US" altLang="zh-TW" dirty="0" err="1" smtClean="0"/>
+              <a:t>CustomerNo</a:t>
+            </a:r>
+            <a:r>
+              <a:rPr lang="zh-TW" altLang="en-US" dirty="0" smtClean="0"/>
+              <a:t>的後面加上新客戶資訊即可</a:t>
+            </a:r>
+            <a:r>
+              <a:rPr lang="en-US" altLang="zh-TW" dirty="0" smtClean="0"/>
+              <a:t>, </a:t>
+            </a:r>
+            <a:r>
+              <a:rPr lang="zh-TW" altLang="en-US" dirty="0" smtClean="0"/>
+              <a:t>而</a:t>
+            </a:r>
+            <a:r>
+              <a:rPr lang="en-US" altLang="zh-TW" dirty="0" err="1" smtClean="0"/>
+              <a:t>AutoLotID</a:t>
+            </a:r>
+            <a:r>
+              <a:rPr lang="zh-TW" altLang="en-US" dirty="0" smtClean="0"/>
+              <a:t>或</a:t>
+            </a:r>
+            <a:r>
+              <a:rPr lang="en-US" altLang="zh-TW" dirty="0" err="1" smtClean="0"/>
+              <a:t>LotIDKey</a:t>
+            </a:r>
+            <a:r>
+              <a:rPr lang="zh-TW" altLang="en-US" dirty="0" smtClean="0"/>
+              <a:t>則可依照</a:t>
+            </a:r>
+            <a:r>
+              <a:rPr lang="en-US" altLang="zh-TW" dirty="0" err="1" smtClean="0"/>
+              <a:t>ProductType</a:t>
+            </a:r>
+            <a:r>
+              <a:rPr lang="zh-TW" altLang="en-US" dirty="0" smtClean="0"/>
+              <a:t>來選擇</a:t>
+            </a:r>
+            <a:r>
+              <a:rPr lang="en-US" altLang="zh-TW" smtClean="0"/>
+              <a:t>naming rule</a:t>
+            </a:r>
+            <a:endParaRPr lang="en-US" altLang="zh-TW" dirty="0" smtClean="0"/>
+          </a:p>
+          <a:p>
+            <a:endParaRPr lang="zh-TW" altLang="en-US" dirty="0"/>
+          </a:p>
+        </p:txBody>
+      </p:sp>
+      <p:sp>
+        <p:nvSpPr>
+          <p:cNvPr id="4" name="投影片編號版面配置區 3"/>
+          <p:cNvSpPr>
+            <a:spLocks noGrp="1"/>
+          </p:cNvSpPr>
+          <p:nvPr>
+            <p:ph type="sldNum" idx="10"/>
+          </p:nvPr>
+        </p:nvSpPr>
+        <p:spPr/>
+        <p:txBody>
+          <a:bodyPr/>
+          <a:lstStyle/>
+          <a:p>
+            <a:pPr>
+              <a:defRPr/>
+            </a:pPr>
+            <a:fld id="{B329BE06-5B6F-4163-A730-C53C366EA367}" type="slidenum">
+              <a:rPr lang="en-US" altLang="zh-TW" smtClean="0"/>
+              <a:pPr>
+                <a:defRPr/>
+              </a:pPr>
+              <a:t>10</a:t>
+            </a:fld>
+            <a:endParaRPr lang="en-US" altLang="zh-TW"/>
+          </a:p>
+        </p:txBody>
+      </p:sp>
+    </p:spTree>
+    <p:extLst>
+      <p:ext uri="{BB962C8B-B14F-4D97-AF65-F5344CB8AC3E}">
+        <p14:creationId xmlns:p14="http://schemas.microsoft.com/office/powerpoint/2010/main" val="237568818"/>
       </p:ext>
     </p:extLst>
   </p:cSld>
@@ -4378,7 +4927,7 @@
           <p:nvPr/>
         </p:nvPicPr>
         <p:blipFill>
-          <a:blip r:embed="rId2">
+          <a:blip r:embed="rId3">
             <a:extLst>
               <a:ext uri="{28A0092B-C50C-407E-A947-70E740481C1C}">
                 <a14:useLocalDpi xmlns:a14="http://schemas.microsoft.com/office/drawing/2010/main" val="0"/>
@@ -4516,11 +5065,7 @@
           <a:p>
             <a:r>
               <a:rPr kumimoji="1" lang="en-US" altLang="zh-TW" sz="2400" dirty="0" smtClean="0"/>
-              <a:t>6. Check </a:t>
-            </a:r>
-            <a:r>
-              <a:rPr kumimoji="1" lang="en-US" altLang="zh-TW" sz="2400" dirty="0" smtClean="0"/>
-              <a:t>EndLot.txt</a:t>
+              <a:t>6. Check EndLot.txt</a:t>
             </a:r>
           </a:p>
           <a:p>
